--- a/Proposal Presentation Template - 03_29409_22816_22664.pptx
+++ b/Proposal Presentation Template - 03_29409_22816_22664.pptx
@@ -15825,15 +15825,7 @@
                   <a:schemeClr val="tx1"/>
                 </a:solidFill>
               </a:rPr>
-              <a:t>Connect the Color </a:t>
-            </a:r>
-            <a:r>
-              <a:rPr lang="en-US" b="1" dirty="0" smtClean="0">
-                <a:solidFill>
-                  <a:schemeClr val="tx1"/>
-                </a:solidFill>
-              </a:rPr>
-              <a:t>Dots</a:t>
+              <a:t>Connect the Color Dots</a:t>
             </a:r>
           </a:p>
           <a:p>
@@ -15862,11 +15854,6 @@
               </a:rPr>
               <a:t>(An IQ Test Puzzle Game)</a:t>
             </a:r>
-            <a:endParaRPr lang="en-US" sz="1800" b="1" dirty="0" smtClean="0">
-              <a:solidFill>
-                <a:schemeClr val="tx1"/>
-              </a:solidFill>
-            </a:endParaRPr>
           </a:p>
           <a:p>
             <a:pPr marL="63500" lvl="0" indent="0" algn="ctr" rtl="0">
@@ -16258,8 +16245,8 @@
         </p:nvSpPr>
         <p:spPr>
           <a:xfrm>
-            <a:off x="457200" y="1009934"/>
-            <a:ext cx="8229600" cy="4299045"/>
+            <a:off x="457200" y="750627"/>
+            <a:ext cx="8229600" cy="4899545"/>
           </a:xfrm>
           <a:prstGeom prst="rect">
             <a:avLst/>
@@ -16275,33 +16262,61 @@
           </a:bodyPr>
           <a:lstStyle/>
           <a:p>
-            <a:pPr marL="660400" indent="-457200" algn="just">
-              <a:spcBef>
-                <a:spcPts val="0"/>
-              </a:spcBef>
-              <a:buSzPts val="3200"/>
-            </a:pPr>
             <a:r>
-              <a:rPr lang="en-US" dirty="0"/>
-              <a:t>Even though solving puzzles seems like it might relate to intelligence, there aren't any widely recognized puzzle games that specifically test IQ levels</a:t>
+              <a:rPr lang="en-US" sz="2400" b="1" dirty="0"/>
+              <a:t>Challenges:</a:t>
             </a:r>
+            <a:endParaRPr lang="en-US" sz="2400" dirty="0"/>
+          </a:p>
+          <a:p>
             <a:r>
-              <a:rPr lang="en-US" dirty="0" smtClean="0"/>
-              <a:t>.</a:t>
+              <a:rPr lang="en-US" sz="2400" dirty="0"/>
+              <a:t>Puzzle-solving isn't universally accepted as an IQ measurement tool.</a:t>
             </a:r>
           </a:p>
           <a:p>
-            <a:pPr marL="660400" indent="-457200" algn="just">
-              <a:spcBef>
-                <a:spcPts val="0"/>
-              </a:spcBef>
-              <a:buSzPts val="3200"/>
-            </a:pPr>
             <a:r>
-              <a:rPr lang="en-US" dirty="0"/>
-              <a:t>The fact that puzzle-solving doesn't directly measure IQ makes it hard to show why our game is valuable.</a:t>
+              <a:rPr lang="en-US" sz="2400" dirty="0"/>
+              <a:t>Difficult to demonstrate the value of our game without a direct IQ testing feature.</a:t>
             </a:r>
-            <a:endParaRPr dirty="0"/>
+          </a:p>
+          <a:p>
+            <a:r>
+              <a:rPr lang="en-US" sz="2400" b="1" dirty="0"/>
+              <a:t>Solution:</a:t>
+            </a:r>
+            <a:endParaRPr lang="en-US" sz="2400" dirty="0"/>
+          </a:p>
+          <a:p>
+            <a:r>
+              <a:rPr lang="en-US" sz="2400" dirty="0"/>
+              <a:t>Integrate IQ testing directly into our game.</a:t>
+            </a:r>
+          </a:p>
+          <a:p>
+            <a:r>
+              <a:rPr lang="en-US" sz="2400" dirty="0"/>
+              <a:t>Players can conveniently assess their IQ while playing, eliminating the need for a separate app.</a:t>
+            </a:r>
+          </a:p>
+          <a:p>
+            <a:r>
+              <a:rPr lang="en-US" sz="2400" b="1" dirty="0"/>
+              <a:t>Added Value:</a:t>
+            </a:r>
+            <a:endParaRPr lang="en-US" sz="2400" dirty="0"/>
+          </a:p>
+          <a:p>
+            <a:r>
+              <a:rPr lang="en-US" sz="2400" dirty="0"/>
+              <a:t>Saves time and device storage for users.</a:t>
+            </a:r>
+          </a:p>
+          <a:p>
+            <a:r>
+              <a:rPr lang="en-US" sz="2400" dirty="0"/>
+              <a:t>New features enhance user entertainment and engagement.</a:t>
+            </a:r>
           </a:p>
         </p:txBody>
       </p:sp>
@@ -16478,24 +16493,84 @@
           </a:bodyPr>
           <a:lstStyle/>
           <a:p>
-            <a:pPr algn="just"/>
+            <a:r>
+              <a:rPr lang="en-US" b="1" dirty="0"/>
+              <a:t>Objective:</a:t>
+            </a:r>
+            <a:endParaRPr lang="en-US" dirty="0"/>
+          </a:p>
+          <a:p>
+            <a:pPr lvl="1">
+              <a:buFont typeface="Arial" panose="020B0604020202020204" pitchFamily="34" charset="0"/>
+              <a:buChar char="•"/>
+            </a:pPr>
             <a:r>
               <a:rPr lang="en-US" dirty="0"/>
-              <a:t>Develop a Connect the Color Dots game that estimates IQ levels based on successful completion of puzzles.</a:t>
+              <a:t>Create game estimating IQ from puzzle completion.</a:t>
             </a:r>
           </a:p>
           <a:p>
-            <a:pPr algn="just"/>
+            <a:pPr lvl="1">
+              <a:buFont typeface="Arial" panose="020B0604020202020204" pitchFamily="34" charset="0"/>
+              <a:buChar char="•"/>
+            </a:pPr>
             <a:r>
               <a:rPr lang="en-US" dirty="0"/>
-              <a:t>Utilize a well-established IQ scale, converting puzzle completion percentiles into corresponding IQ scores.</a:t>
+              <a:t>Utilize established IQ scale for scoring.</a:t>
             </a:r>
           </a:p>
           <a:p>
-            <a:pPr algn="just"/>
+            <a:r>
+              <a:rPr lang="en-US" b="1" dirty="0"/>
+              <a:t>Implementation:</a:t>
+            </a:r>
+            <a:endParaRPr lang="en-US" dirty="0"/>
+          </a:p>
+          <a:p>
+            <a:pPr lvl="1">
+              <a:buFont typeface="Arial" panose="020B0604020202020204" pitchFamily="34" charset="0"/>
+              <a:buChar char="•"/>
+            </a:pPr>
             <a:r>
               <a:rPr lang="en-US" dirty="0"/>
-              <a:t>Continually refine and expand the game with innovative puzzles and features to attract and retain users.</a:t>
+              <a:t>Design puzzles varying in complexity.</a:t>
+            </a:r>
+          </a:p>
+          <a:p>
+            <a:pPr lvl="1">
+              <a:buFont typeface="Arial" panose="020B0604020202020204" pitchFamily="34" charset="0"/>
+              <a:buChar char="•"/>
+            </a:pPr>
+            <a:r>
+              <a:rPr lang="en-US" dirty="0"/>
+              <a:t>Convert completion percentiles to IQ scores.</a:t>
+            </a:r>
+          </a:p>
+          <a:p>
+            <a:r>
+              <a:rPr lang="en-US" b="1" dirty="0"/>
+              <a:t>Innovation and Expansion:</a:t>
+            </a:r>
+            <a:endParaRPr lang="en-US" dirty="0"/>
+          </a:p>
+          <a:p>
+            <a:pPr lvl="1">
+              <a:buFont typeface="Arial" panose="020B0604020202020204" pitchFamily="34" charset="0"/>
+              <a:buChar char="•"/>
+            </a:pPr>
+            <a:r>
+              <a:rPr lang="en-US" dirty="0"/>
+              <a:t>Regularly update with new puzzles and features.</a:t>
+            </a:r>
+          </a:p>
+          <a:p>
+            <a:pPr lvl="1">
+              <a:buFont typeface="Arial" panose="020B0604020202020204" pitchFamily="34" charset="0"/>
+              <a:buChar char="•"/>
+            </a:pPr>
+            <a:r>
+              <a:rPr lang="en-US" dirty="0"/>
+              <a:t>Ensure game remains engaging for user retention.</a:t>
             </a:r>
           </a:p>
           <a:p>
@@ -16645,8 +16720,8 @@
         </p:nvSpPr>
         <p:spPr>
           <a:xfrm>
-            <a:off x="457200" y="846162"/>
-            <a:ext cx="8229600" cy="4053384"/>
+            <a:off x="457200" y="764275"/>
+            <a:ext cx="8229600" cy="4135271"/>
           </a:xfrm>
           <a:prstGeom prst="rect">
             <a:avLst/>
@@ -16669,11 +16744,11 @@
               <a:buSzPts val="3200"/>
             </a:pPr>
             <a:r>
-              <a:rPr lang="en-US" dirty="0"/>
+              <a:rPr lang="en-US" sz="2800" dirty="0"/>
               <a:t>Define the boundaries of the </a:t>
             </a:r>
             <a:r>
-              <a:rPr lang="en-US" dirty="0" smtClean="0"/>
+              <a:rPr lang="en-US" sz="2800" dirty="0" smtClean="0"/>
               <a:t>project.</a:t>
             </a:r>
           </a:p>
@@ -16685,22 +16760,22 @@
               <a:buSzPts val="3200"/>
             </a:pPr>
             <a:r>
-              <a:rPr lang="en-US" dirty="0"/>
+              <a:rPr lang="en-US" sz="2800" dirty="0"/>
               <a:t>I</a:t>
             </a:r>
             <a:r>
-              <a:rPr lang="en-US" dirty="0" smtClean="0"/>
+              <a:rPr lang="en-US" sz="2800" dirty="0" smtClean="0"/>
               <a:t>ncluding </a:t>
             </a:r>
             <a:r>
-              <a:rPr lang="en-US" dirty="0"/>
+              <a:rPr lang="en-US" sz="2800" dirty="0"/>
               <a:t>the target audience of users of all </a:t>
             </a:r>
             <a:r>
-              <a:rPr lang="en-US" dirty="0" smtClean="0"/>
+              <a:rPr lang="en-US" sz="2800" dirty="0" smtClean="0"/>
               <a:t>ages.</a:t>
             </a:r>
-            <a:endParaRPr lang="en-US" dirty="0"/>
+            <a:endParaRPr lang="en-US" sz="2800" dirty="0"/>
           </a:p>
           <a:p>
             <a:pPr marL="660400" indent="-457200" algn="just">
@@ -16710,26 +16785,26 @@
               <a:buSzPts val="3200"/>
             </a:pPr>
             <a:r>
-              <a:rPr lang="en-US" dirty="0"/>
+              <a:rPr lang="en-US" sz="2800" dirty="0"/>
               <a:t>F</a:t>
             </a:r>
             <a:r>
-              <a:rPr lang="en-US" dirty="0" smtClean="0"/>
+              <a:rPr lang="en-US" sz="2800" dirty="0" smtClean="0"/>
               <a:t>ocus </a:t>
             </a:r>
             <a:r>
-              <a:rPr lang="en-US" dirty="0"/>
+              <a:rPr lang="en-US" sz="2800" dirty="0"/>
               <a:t>on enhancing skills and logic through puzzle </a:t>
             </a:r>
             <a:r>
-              <a:rPr lang="en-US" dirty="0" smtClean="0"/>
+              <a:rPr lang="en-US" sz="2800" dirty="0" smtClean="0"/>
               <a:t>games</a:t>
             </a:r>
             <a:r>
-              <a:rPr lang="en-US" dirty="0"/>
+              <a:rPr lang="en-US" sz="2800" dirty="0"/>
               <a:t>.</a:t>
             </a:r>
-            <a:endParaRPr dirty="0"/>
+            <a:endParaRPr sz="2800" dirty="0"/>
           </a:p>
         </p:txBody>
       </p:sp>
@@ -16870,8 +16945,8 @@
         </p:nvSpPr>
         <p:spPr>
           <a:xfrm>
-            <a:off x="457200" y="696036"/>
-            <a:ext cx="8229600" cy="4913193"/>
+            <a:off x="457200" y="627798"/>
+            <a:ext cx="8229600" cy="4981432"/>
           </a:xfrm>
         </p:spPr>
         <p:txBody>
@@ -16892,30 +16967,26 @@
             </a:r>
             <a:r>
               <a:rPr lang="en-US" b="1" dirty="0" smtClean="0"/>
-              <a:t>is into three parts</a:t>
+              <a:t>is into two parts</a:t>
             </a:r>
             <a:r>
               <a:rPr lang="en-US" dirty="0" smtClean="0"/>
-              <a:t>.</a:t>
-            </a:r>
-          </a:p>
-          <a:p>
-            <a:r>
-              <a:rPr lang="en-US" dirty="0" smtClean="0"/>
-              <a:t>UI/UX Design</a:t>
-            </a:r>
-          </a:p>
-          <a:p>
-            <a:r>
-              <a:rPr lang="en-US" dirty="0" smtClean="0"/>
-              <a:t>Development</a:t>
+              <a:t>. </a:t>
             </a:r>
             <a:endParaRPr lang="en-US" dirty="0"/>
           </a:p>
           <a:p>
+            <a:pPr algn="just"/>
             <a:r>
-              <a:rPr lang="en-US" dirty="0"/>
-              <a:t>Documentation</a:t>
+              <a:rPr lang="en-US" sz="2800" dirty="0" smtClean="0"/>
+              <a:t>Our project will be done in two phases Documentation and Development.</a:t>
+            </a:r>
+          </a:p>
+          <a:p>
+            <a:pPr algn="just"/>
+            <a:r>
+              <a:rPr lang="en-US" sz="2800" dirty="0" smtClean="0"/>
+              <a:t>Documentation will be done in first phase of FYP_1 where we gathered our requirements and development will be done in second phase of FYP_2.</a:t>
             </a:r>
           </a:p>
           <a:p>
@@ -17084,8 +17155,8 @@
         </p:nvSpPr>
         <p:spPr>
           <a:xfrm>
-            <a:off x="457200" y="368490"/>
-            <a:ext cx="8229600" cy="5757673"/>
+            <a:off x="457200" y="532263"/>
+            <a:ext cx="8229600" cy="5593900"/>
           </a:xfrm>
         </p:spPr>
         <p:txBody>
@@ -17094,50 +17165,42 @@
           <a:p>
             <a:pPr algn="just"/>
             <a:r>
-              <a:rPr lang="en-US" dirty="0" smtClean="0"/>
-              <a:t>Our project will be done in two phases Documentation and Development.</a:t>
+              <a:rPr lang="en-US" sz="2800" dirty="0" smtClean="0"/>
+              <a:t>UI/UX </a:t>
             </a:r>
-            <a:endParaRPr lang="en-US" dirty="0"/>
+            <a:r>
+              <a:rPr lang="en-US" sz="2800" dirty="0" smtClean="0"/>
+              <a:t>design </a:t>
+            </a:r>
+            <a:endParaRPr lang="en-US" sz="2800" dirty="0" smtClean="0"/>
           </a:p>
           <a:p>
             <a:pPr algn="just"/>
             <a:r>
-              <a:rPr lang="en-US" dirty="0" smtClean="0"/>
-              <a:t>Documentation will be done in first phase and development will be done in second phase.</a:t>
+              <a:rPr lang="en-US" sz="2800" dirty="0" smtClean="0"/>
+              <a:t>Documentation </a:t>
             </a:r>
           </a:p>
           <a:p>
             <a:pPr algn="just"/>
             <a:r>
-              <a:rPr lang="en-US" dirty="0"/>
-              <a:t>working on UI/UX </a:t>
+              <a:rPr lang="en-US" sz="2800" dirty="0" smtClean="0"/>
+              <a:t> </a:t>
             </a:r>
             <a:r>
-              <a:rPr lang="en-US" dirty="0" smtClean="0"/>
-              <a:t>design will be by Uzair Asif.</a:t>
+              <a:rPr lang="en-US" sz="2800" dirty="0"/>
+              <a:t>D</a:t>
+            </a:r>
+            <a:r>
+              <a:rPr lang="en-US" sz="2800" dirty="0" smtClean="0"/>
+              <a:t>evelopment </a:t>
             </a:r>
           </a:p>
           <a:p>
-            <a:pPr algn="just"/>
-            <a:r>
-              <a:rPr lang="en-US" dirty="0"/>
-              <a:t>working on D</a:t>
-            </a:r>
-            <a:r>
-              <a:rPr lang="en-US" dirty="0" smtClean="0"/>
-              <a:t>ocumentation will be by Sulman Siddique.</a:t>
-            </a:r>
-          </a:p>
-          <a:p>
-            <a:pPr algn="just"/>
-            <a:r>
-              <a:rPr lang="en-US" dirty="0"/>
-              <a:t>working on </a:t>
-            </a:r>
-            <a:r>
-              <a:rPr lang="en-US" dirty="0" smtClean="0"/>
-              <a:t>development process will be by M Nofal Ullah.</a:t>
-            </a:r>
+            <a:pPr marL="114300" indent="0" algn="just">
+              <a:buNone/>
+            </a:pPr>
+            <a:endParaRPr lang="en-US" sz="2800" dirty="0" smtClean="0"/>
           </a:p>
           <a:p>
             <a:endParaRPr lang="en-US" dirty="0"/>
@@ -17469,32 +17532,32 @@
           <a:p>
             <a:r>
               <a:rPr lang="en-US" b="1" dirty="0" smtClean="0"/>
-              <a:t>Model and Tools</a:t>
+              <a:t>Model , Algorithms and Tools</a:t>
             </a:r>
           </a:p>
           <a:p>
             <a:r>
-              <a:rPr lang="en-US" dirty="0" smtClean="0"/>
+              <a:rPr lang="en-US" sz="2800" dirty="0" smtClean="0"/>
               <a:t>Using Agile Model</a:t>
             </a:r>
           </a:p>
           <a:p>
             <a:r>
-              <a:rPr lang="en-US" dirty="0" smtClean="0"/>
+              <a:rPr lang="en-US" sz="2800" dirty="0" smtClean="0"/>
               <a:t>Unity 3D for developing </a:t>
             </a:r>
           </a:p>
           <a:p>
             <a:r>
-              <a:rPr lang="en-US" dirty="0" smtClean="0"/>
+              <a:rPr lang="en-US" sz="2800" dirty="0" smtClean="0"/>
               <a:t>Adobe</a:t>
             </a:r>
             <a:r>
-              <a:rPr lang="en-US" dirty="0"/>
+              <a:rPr lang="en-US" sz="2800" dirty="0"/>
               <a:t> </a:t>
             </a:r>
             <a:r>
-              <a:rPr lang="en-US" dirty="0">
+              <a:rPr lang="en-US" sz="2800" dirty="0">
                 <a:solidFill>
                   <a:schemeClr val="tx1"/>
                 </a:solidFill>
@@ -17502,7 +17565,7 @@
               <a:t>i</a:t>
             </a:r>
             <a:r>
-              <a:rPr lang="en-US" dirty="0" smtClean="0">
+              <a:rPr lang="en-US" sz="2800" dirty="0" smtClean="0">
                 <a:solidFill>
                   <a:schemeClr val="tx1"/>
                 </a:solidFill>
@@ -17510,25 +17573,17 @@
               <a:t>llustrator </a:t>
             </a:r>
             <a:r>
-              <a:rPr lang="en-US" dirty="0" smtClean="0"/>
+              <a:rPr lang="en-US" sz="2800" dirty="0" smtClean="0"/>
               <a:t>for UI and UX </a:t>
             </a:r>
-          </a:p>
-          <a:p>
-            <a:endParaRPr lang="en-US" dirty="0" smtClean="0"/>
+            <a:endParaRPr lang="en-US" sz="2800" b="1" dirty="0" smtClean="0"/>
           </a:p>
           <a:p>
             <a:r>
-              <a:rPr lang="en-US" b="1" dirty="0" smtClean="0"/>
-              <a:t>Algorithms</a:t>
-            </a:r>
-          </a:p>
-          <a:p>
-            <a:r>
-              <a:rPr lang="en-US" dirty="0" smtClean="0"/>
+              <a:rPr lang="en-US" sz="2800" dirty="0" smtClean="0"/>
               <a:t>Round Robbin and A*(star)</a:t>
             </a:r>
-            <a:endParaRPr lang="en-US" dirty="0"/>
+            <a:endParaRPr lang="en-US" sz="2800" dirty="0"/>
           </a:p>
         </p:txBody>
       </p:sp>
@@ -17717,8 +17772,8 @@
         </p:nvSpPr>
         <p:spPr>
           <a:xfrm>
-            <a:off x="320722" y="450376"/>
-            <a:ext cx="8229600" cy="5377218"/>
+            <a:off x="320722" y="559558"/>
+            <a:ext cx="8229600" cy="5268036"/>
           </a:xfrm>
           <a:prstGeom prst="rect">
             <a:avLst/>
@@ -17734,42 +17789,62 @@
           </a:bodyPr>
           <a:lstStyle/>
           <a:p>
-            <a:pPr algn="just"/>
+            <a:pPr algn="just">
+              <a:buFont typeface="Arial" panose="020B0604020202020204" pitchFamily="34" charset="0"/>
+              <a:buChar char="•"/>
+            </a:pPr>
+            <a:r>
+              <a:rPr lang="en-US" b="1" dirty="0"/>
+              <a:t>IQ Assessment Requirement:</a:t>
+            </a:r>
+            <a:endParaRPr lang="en-US" dirty="0"/>
+          </a:p>
+          <a:p>
+            <a:pPr lvl="1" algn="just">
+              <a:buFont typeface="Arial" panose="020B0604020202020204" pitchFamily="34" charset="0"/>
+              <a:buChar char="•"/>
+            </a:pPr>
             <a:r>
               <a:rPr lang="en-US" dirty="0"/>
-              <a:t>Users must complete the first level before their IQ level can be checked.</a:t>
+              <a:t>Complete first level for IQ check.</a:t>
+            </a:r>
+          </a:p>
+          <a:p>
+            <a:pPr lvl="1" algn="just">
+              <a:buFont typeface="Arial" panose="020B0604020202020204" pitchFamily="34" charset="0"/>
+              <a:buChar char="•"/>
+            </a:pPr>
+            <a:r>
+              <a:rPr lang="en-US" dirty="0"/>
+              <a:t>Incomplete first level prevents IQ assessment.</a:t>
             </a:r>
           </a:p>
           <a:p>
             <a:pPr algn="just"/>
             <a:r>
+              <a:rPr lang="en-US" b="1" dirty="0"/>
+              <a:t>Matrix Completion Constraint:</a:t>
+            </a:r>
+            <a:endParaRPr lang="en-US" dirty="0"/>
+          </a:p>
+          <a:p>
+            <a:pPr lvl="1" algn="just">
+              <a:buFont typeface="Arial" panose="020B0604020202020204" pitchFamily="34" charset="0"/>
+              <a:buChar char="•"/>
+            </a:pPr>
+            <a:r>
               <a:rPr lang="en-US" dirty="0"/>
-              <a:t>If the first level is not yet completed, users cannot proceed to IQ assessment</a:t>
-            </a:r>
-            <a:r>
-              <a:rPr lang="en-US" dirty="0" smtClean="0"/>
-              <a:t>.</a:t>
+              <a:t>Fill entire grid to advance.</a:t>
             </a:r>
           </a:p>
           <a:p>
-            <a:pPr algn="just"/>
+            <a:pPr lvl="1" algn="just">
+              <a:buFont typeface="Arial" panose="020B0604020202020204" pitchFamily="34" charset="0"/>
+              <a:buChar char="•"/>
+            </a:pPr>
             <a:r>
               <a:rPr lang="en-US" dirty="0"/>
-              <a:t>Users must fill the entire matrix to progress to the next level.</a:t>
-            </a:r>
-          </a:p>
-          <a:p>
-            <a:pPr algn="just"/>
-            <a:r>
-              <a:rPr lang="en-US" dirty="0"/>
-              <a:t>You must finish filling up the whole grid within the given time limit or attempt count.</a:t>
-            </a:r>
-          </a:p>
-          <a:p>
-            <a:pPr algn="just"/>
-            <a:r>
-              <a:rPr lang="en-US" dirty="0"/>
-              <a:t>If not, you won't be able to move forward in the game.</a:t>
+              <a:t>Failure to fill grid halts game progression.</a:t>
             </a:r>
           </a:p>
           <a:p>
@@ -18375,7 +18450,7 @@
         </p:blipFill>
         <p:spPr>
           <a:xfrm>
-            <a:off x="5633898" y="1540281"/>
+            <a:off x="5947797" y="0"/>
             <a:ext cx="3196203" cy="2866619"/>
           </a:xfrm>
           <a:prstGeom prst="rect">
@@ -18427,8 +18502,8 @@
         </p:nvSpPr>
         <p:spPr>
           <a:xfrm>
-            <a:off x="457200" y="232012"/>
-            <a:ext cx="8229600" cy="5894151"/>
+            <a:off x="457200" y="423081"/>
+            <a:ext cx="8229600" cy="5703082"/>
           </a:xfrm>
           <a:prstGeom prst="rect">
             <a:avLst/>
@@ -18444,32 +18519,60 @@
           </a:bodyPr>
           <a:lstStyle/>
           <a:p>
-            <a:pPr algn="just"/>
             <a:r>
-              <a:rPr lang="en-US" dirty="0"/>
-              <a:t>Connect the Color Dots is an Android-based application aimed at checking the IQ level of users through a puzzle game.</a:t>
+              <a:rPr lang="en-US" sz="2800" b="1" dirty="0"/>
+              <a:t>Overview:</a:t>
+            </a:r>
+            <a:endParaRPr lang="en-US" sz="2800" dirty="0"/>
+          </a:p>
+          <a:p>
+            <a:r>
+              <a:rPr lang="en-US" sz="2800" dirty="0"/>
+              <a:t>Android app for IQ assessment via puzzle game.</a:t>
             </a:r>
           </a:p>
           <a:p>
-            <a:pPr algn="just"/>
             <a:r>
-              <a:rPr lang="en-US" dirty="0"/>
-              <a:t>The game requires users to connect dots of the same color to solve puzzles, gradually increasing in complexity.</a:t>
+              <a:rPr lang="en-US" sz="2800" dirty="0"/>
+              <a:t>Connect dots of same color to solve puzzles, increasing in complexity.</a:t>
             </a:r>
           </a:p>
           <a:p>
-            <a:pPr algn="just"/>
             <a:r>
-              <a:rPr lang="en-US" dirty="0"/>
-              <a:t>Players receive an estimated IQ score upon completing the </a:t>
+              <a:rPr lang="en-US" sz="2800" b="1" dirty="0"/>
+              <a:t>Benefits:</a:t>
             </a:r>
+            <a:endParaRPr lang="en-US" sz="2800" dirty="0"/>
+          </a:p>
+          <a:p>
             <a:r>
-              <a:rPr lang="en-US" dirty="0" smtClean="0"/>
-              <a:t>levels, enhance </a:t>
+              <a:rPr lang="en-US" sz="2800" dirty="0"/>
+              <a:t>Users receive estimated IQ scores post-level completion.</a:t>
             </a:r>
+          </a:p>
+          <a:p>
             <a:r>
-              <a:rPr lang="en-US" dirty="0"/>
-              <a:t>their analytical and problem-solving skills.</a:t>
+              <a:rPr lang="en-US" sz="2800" dirty="0"/>
+              <a:t>Enhances analytical and problem-solving skills.</a:t>
+            </a:r>
+          </a:p>
+          <a:p>
+            <a:r>
+              <a:rPr lang="en-US" sz="2800" b="1" dirty="0"/>
+              <a:t>Features:</a:t>
+            </a:r>
+            <a:endParaRPr lang="en-US" sz="2800" dirty="0"/>
+          </a:p>
+          <a:p>
+            <a:r>
+              <a:rPr lang="en-US" sz="2800" dirty="0"/>
+              <a:t>Diverse features to maintain user engagement.</a:t>
+            </a:r>
+          </a:p>
+          <a:p>
+            <a:r>
+              <a:rPr lang="en-US" sz="2800" dirty="0"/>
+              <a:t>Prevents boredom during gameplay.</a:t>
             </a:r>
           </a:p>
         </p:txBody>
@@ -18715,7 +18818,7 @@
         </p:blipFill>
         <p:spPr>
           <a:xfrm>
-            <a:off x="5532462" y="137425"/>
+            <a:off x="5715000" y="0"/>
             <a:ext cx="3429000" cy="3225800"/>
           </a:xfrm>
           <a:prstGeom prst="rect">
@@ -18764,14 +18867,14 @@
           <p:nvPr>
             <p:extLst>
               <p:ext uri="{D42A27DB-BD31-4B8C-83A1-F6EECF244321}">
-                <p14:modId xmlns:p14="http://schemas.microsoft.com/office/powerpoint/2010/main" val="1253636518"/>
+                <p14:modId xmlns:p14="http://schemas.microsoft.com/office/powerpoint/2010/main" val="345081779"/>
               </p:ext>
             </p:extLst>
           </p:nvPr>
         </p:nvGraphicFramePr>
         <p:xfrm>
-          <a:off x="1" y="0"/>
-          <a:ext cx="9143999" cy="5943599"/>
+          <a:off x="0" y="-1"/>
+          <a:ext cx="9143999" cy="5936777"/>
         </p:xfrm>
         <a:graphic>
           <a:graphicData uri="http://schemas.openxmlformats.org/drawingml/2006/table">
@@ -18788,29 +18891,38 @@
                 <a:gridCol w="1150601"/>
                 <a:gridCol w="1317606"/>
               </a:tblGrid>
-              <a:tr h="519494">
+              <a:tr h="748278">
                 <a:tc>
                   <a:txBody>
                     <a:bodyPr/>
                     <a:lstStyle/>
                     <a:p>
-                      <a:pPr>
+                      <a:pPr algn="just">
                         <a:buNone/>
                       </a:pPr>
                       <a:r>
-                        <a:rPr lang="en-US" sz="1400" dirty="0"/>
+                        <a:rPr lang="en-US" sz="1400" dirty="0">
+                          <a:latin typeface="Calibri" panose="020F0502020204030204" pitchFamily="34" charset="0"/>
+                          <a:cs typeface="Calibri" panose="020F0502020204030204" pitchFamily="34" charset="0"/>
+                        </a:rPr>
                         <a:t>Paper</a:t>
                       </a:r>
                     </a:p>
                     <a:p>
-                      <a:pPr>
+                      <a:pPr algn="just">
                         <a:buNone/>
                       </a:pPr>
                       <a:r>
-                        <a:rPr lang="en-US" sz="1400" dirty="0" smtClean="0"/>
+                        <a:rPr lang="en-US" sz="1400" dirty="0" smtClean="0">
+                          <a:latin typeface="Calibri" panose="020F0502020204030204" pitchFamily="34" charset="0"/>
+                          <a:cs typeface="Calibri" panose="020F0502020204030204" pitchFamily="34" charset="0"/>
+                        </a:rPr>
                         <a:t>name</a:t>
                       </a:r>
-                      <a:endParaRPr lang="en-US" sz="1400" dirty="0"/>
+                      <a:endParaRPr lang="en-US" sz="1400" dirty="0">
+                        <a:latin typeface="Calibri" panose="020F0502020204030204" pitchFamily="34" charset="0"/>
+                        <a:cs typeface="Calibri" panose="020F0502020204030204" pitchFamily="34" charset="0"/>
+                      </a:endParaRPr>
                     </a:p>
                   </a:txBody>
                   <a:tcPr/>
@@ -18820,14 +18932,20 @@
                     <a:bodyPr/>
                     <a:lstStyle/>
                     <a:p>
-                      <a:pPr>
+                      <a:pPr algn="just">
                         <a:buNone/>
                       </a:pPr>
                       <a:r>
-                        <a:rPr lang="en-US" sz="1400" dirty="0" smtClean="0"/>
+                        <a:rPr lang="en-US" sz="1400" dirty="0" smtClean="0">
+                          <a:latin typeface="Calibri" panose="020F0502020204030204" pitchFamily="34" charset="0"/>
+                          <a:cs typeface="Calibri" panose="020F0502020204030204" pitchFamily="34" charset="0"/>
+                        </a:rPr>
                         <a:t>Author</a:t>
                       </a:r>
-                      <a:endParaRPr lang="en-US" sz="1400" dirty="0"/>
+                      <a:endParaRPr lang="en-US" sz="1400" dirty="0">
+                        <a:latin typeface="Calibri" panose="020F0502020204030204" pitchFamily="34" charset="0"/>
+                        <a:cs typeface="Calibri" panose="020F0502020204030204" pitchFamily="34" charset="0"/>
+                      </a:endParaRPr>
                     </a:p>
                   </a:txBody>
                   <a:tcPr/>
@@ -18837,11 +18955,14 @@
                     <a:bodyPr/>
                     <a:lstStyle/>
                     <a:p>
-                      <a:pPr>
+                      <a:pPr algn="just">
                         <a:buNone/>
                       </a:pPr>
                       <a:r>
-                        <a:rPr lang="en-US" sz="1400" dirty="0"/>
+                        <a:rPr lang="en-US" sz="1400" dirty="0">
+                          <a:latin typeface="Calibri" panose="020F0502020204030204" pitchFamily="34" charset="0"/>
+                          <a:cs typeface="Calibri" panose="020F0502020204030204" pitchFamily="34" charset="0"/>
+                        </a:rPr>
                         <a:t>Techniques</a:t>
                       </a:r>
                     </a:p>
@@ -18853,11 +18974,14 @@
                     <a:bodyPr/>
                     <a:lstStyle/>
                     <a:p>
-                      <a:pPr>
+                      <a:pPr algn="just">
                         <a:buNone/>
                       </a:pPr>
                       <a:r>
-                        <a:rPr lang="en-US" sz="1400" dirty="0"/>
+                        <a:rPr lang="en-US" sz="1400" dirty="0">
+                          <a:latin typeface="Calibri" panose="020F0502020204030204" pitchFamily="34" charset="0"/>
+                          <a:cs typeface="Calibri" panose="020F0502020204030204" pitchFamily="34" charset="0"/>
+                        </a:rPr>
                         <a:t>Results</a:t>
                       </a:r>
                     </a:p>
@@ -18869,11 +18993,14 @@
                     <a:bodyPr/>
                     <a:lstStyle/>
                     <a:p>
-                      <a:pPr>
+                      <a:pPr algn="just">
                         <a:buNone/>
                       </a:pPr>
                       <a:r>
-                        <a:rPr lang="en-US" sz="1400"/>
+                        <a:rPr lang="en-US" sz="1400">
+                          <a:latin typeface="Calibri" panose="020F0502020204030204" pitchFamily="34" charset="0"/>
+                          <a:cs typeface="Calibri" panose="020F0502020204030204" pitchFamily="34" charset="0"/>
+                        </a:rPr>
                         <a:t>Efficiency </a:t>
                       </a:r>
                     </a:p>
@@ -18885,11 +19012,14 @@
                     <a:bodyPr/>
                     <a:lstStyle/>
                     <a:p>
-                      <a:pPr>
+                      <a:pPr algn="just">
                         <a:buNone/>
                       </a:pPr>
                       <a:r>
-                        <a:rPr lang="en-US" sz="1400"/>
+                        <a:rPr lang="en-US" sz="1400">
+                          <a:latin typeface="Calibri" panose="020F0502020204030204" pitchFamily="34" charset="0"/>
+                          <a:cs typeface="Calibri" panose="020F0502020204030204" pitchFamily="34" charset="0"/>
+                        </a:rPr>
                         <a:t>Advantage’s</a:t>
                       </a:r>
                     </a:p>
@@ -18901,11 +19031,14 @@
                     <a:bodyPr/>
                     <a:lstStyle/>
                     <a:p>
-                      <a:pPr>
+                      <a:pPr algn="just">
                         <a:buNone/>
                       </a:pPr>
                       <a:r>
-                        <a:rPr lang="en-US" sz="1400" dirty="0"/>
+                        <a:rPr lang="en-US" sz="1400" dirty="0">
+                          <a:latin typeface="Calibri" panose="020F0502020204030204" pitchFamily="34" charset="0"/>
+                          <a:cs typeface="Calibri" panose="020F0502020204030204" pitchFamily="34" charset="0"/>
+                        </a:rPr>
                         <a:t>Disadvantages</a:t>
                       </a:r>
                     </a:p>
@@ -18913,28 +19046,31 @@
                   <a:tcPr/>
                 </a:tc>
               </a:tr>
-              <a:tr h="5424105">
+              <a:tr h="5188499">
                 <a:tc>
                   <a:txBody>
                     <a:bodyPr/>
                     <a:lstStyle/>
                     <a:p>
-                      <a:pPr>
+                      <a:pPr algn="just">
                         <a:buNone/>
                       </a:pPr>
                       <a:r>
-                        <a:rPr lang="en-US" sz="1800" b="0" i="0" kern="1200" dirty="0" smtClean="0">
+                        <a:rPr lang="en-US" sz="1400" b="0" i="0" kern="1200" dirty="0" smtClean="0">
                           <a:solidFill>
                             <a:schemeClr val="dk1"/>
                           </a:solidFill>
                           <a:effectLst/>
-                          <a:latin typeface="+mn-lt"/>
+                          <a:latin typeface="Calibri" panose="020F0502020204030204" pitchFamily="34" charset="0"/>
                           <a:ea typeface="+mn-ea"/>
-                          <a:cs typeface="+mn-cs"/>
+                          <a:cs typeface="Calibri" panose="020F0502020204030204" pitchFamily="34" charset="0"/>
                         </a:rPr>
                         <a:t>Effects of Dot-Based Puzzle Games on Working Memory</a:t>
                       </a:r>
-                      <a:endParaRPr lang="en-US" sz="1400" dirty="0"/>
+                      <a:endParaRPr lang="en-US" sz="1400" dirty="0">
+                        <a:latin typeface="Calibri" panose="020F0502020204030204" pitchFamily="34" charset="0"/>
+                        <a:cs typeface="Calibri" panose="020F0502020204030204" pitchFamily="34" charset="0"/>
+                      </a:endParaRPr>
                     </a:p>
                   </a:txBody>
                   <a:tcPr/>
@@ -18944,22 +19080,37 @@
                     <a:bodyPr/>
                     <a:lstStyle/>
                     <a:p>
-                      <a:pPr>
+                      <a:pPr algn="just">
                         <a:buNone/>
                       </a:pPr>
+                      <a:r>
+                        <a:rPr lang="en-US" sz="1400" b="0" i="0" kern="1200" dirty="0" smtClean="0">
+                          <a:solidFill>
+                            <a:schemeClr val="dk1"/>
+                          </a:solidFill>
+                          <a:effectLst/>
+                          <a:latin typeface="Calibri" panose="020F0502020204030204" pitchFamily="34" charset="0"/>
+                          <a:ea typeface="+mn-ea"/>
+                          <a:cs typeface="Calibri" panose="020F0502020204030204" pitchFamily="34" charset="0"/>
+                        </a:rPr>
+                        <a:t>Kuo et al</a:t>
+                      </a:r>
                       <a:r>
                         <a:rPr lang="en-US" sz="1800" b="0" i="0" kern="1200" dirty="0" smtClean="0">
                           <a:solidFill>
                             <a:schemeClr val="dk1"/>
                           </a:solidFill>
                           <a:effectLst/>
-                          <a:latin typeface="+mn-lt"/>
+                          <a:latin typeface="Calibri" panose="020F0502020204030204" pitchFamily="34" charset="0"/>
                           <a:ea typeface="+mn-ea"/>
-                          <a:cs typeface="+mn-cs"/>
+                          <a:cs typeface="Calibri" panose="020F0502020204030204" pitchFamily="34" charset="0"/>
                         </a:rPr>
-                        <a:t>Kuo et al.</a:t>
+                        <a:t>.</a:t>
                       </a:r>
-                      <a:endParaRPr lang="en-US" sz="1400" dirty="0"/>
+                      <a:endParaRPr lang="en-US" sz="1400" dirty="0">
+                        <a:latin typeface="Calibri" panose="020F0502020204030204" pitchFamily="34" charset="0"/>
+                        <a:cs typeface="Calibri" panose="020F0502020204030204" pitchFamily="34" charset="0"/>
+                      </a:endParaRPr>
                     </a:p>
                   </a:txBody>
                   <a:tcPr/>
@@ -18969,68 +19120,70 @@
                     <a:bodyPr/>
                     <a:lstStyle/>
                     <a:p>
-                      <a:pPr>
+                      <a:pPr algn="just">
                         <a:buNone/>
                       </a:pPr>
                       <a:r>
-                        <a:rPr lang="en-US" sz="1400" dirty="0"/>
-                        <a:t>1- User Testing.</a:t>
+                        <a:rPr lang="en-US" sz="1400" dirty="0" smtClean="0">
+                          <a:latin typeface="Calibri" panose="020F0502020204030204" pitchFamily="34" charset="0"/>
+                          <a:cs typeface="Calibri" panose="020F0502020204030204" pitchFamily="34" charset="0"/>
+                        </a:rPr>
+                        <a:t>User Testing,</a:t>
                       </a:r>
                     </a:p>
                     <a:p>
-                      <a:pPr>
-                        <a:buNone/>
-                      </a:pPr>
-                      <a:endParaRPr lang="en-US" sz="1400" dirty="0"/>
-                    </a:p>
-                    <a:p>
-                      <a:pPr>
+                      <a:pPr algn="just">
                         <a:buNone/>
                       </a:pPr>
                       <a:r>
-                        <a:rPr lang="en-US" sz="1400" dirty="0" smtClean="0"/>
-                        <a:t>2- </a:t>
+                        <a:rPr lang="en-US" sz="1400" dirty="0" smtClean="0">
+                          <a:latin typeface="Calibri" panose="020F0502020204030204" pitchFamily="34" charset="0"/>
+                          <a:cs typeface="Calibri" panose="020F0502020204030204" pitchFamily="34" charset="0"/>
+                        </a:rPr>
+                        <a:t>User</a:t>
                       </a:r>
                       <a:r>
-                        <a:rPr lang="en-US" sz="1400" dirty="0"/>
-                        <a:t>User testing plan</a:t>
+                        <a:rPr lang="en-US" sz="1400" baseline="0" dirty="0" smtClean="0">
+                          <a:latin typeface="Calibri" panose="020F0502020204030204" pitchFamily="34" charset="0"/>
+                          <a:cs typeface="Calibri" panose="020F0502020204030204" pitchFamily="34" charset="0"/>
+                        </a:rPr>
+                        <a:t> </a:t>
+                      </a:r>
+                      <a:r>
+                        <a:rPr lang="en-US" sz="1400" dirty="0" smtClean="0">
+                          <a:latin typeface="Calibri" panose="020F0502020204030204" pitchFamily="34" charset="0"/>
+                          <a:cs typeface="Calibri" panose="020F0502020204030204" pitchFamily="34" charset="0"/>
+                        </a:rPr>
+                        <a:t>testing plan,</a:t>
                       </a:r>
                     </a:p>
                     <a:p>
-                      <a:pPr>
-                        <a:buNone/>
-                      </a:pPr>
-                      <a:endParaRPr lang="en-US" sz="1400" dirty="0"/>
-                    </a:p>
-                    <a:p>
-                      <a:pPr>
+                      <a:pPr algn="just">
                         <a:buNone/>
                       </a:pPr>
                       <a:r>
-                        <a:rPr lang="en-US" sz="1400" dirty="0" smtClean="0"/>
-                        <a:t>3-</a:t>
-                      </a:r>
-                      <a:r>
-                        <a:rPr lang="en-US" sz="1400" baseline="0" dirty="0" smtClean="0"/>
-                        <a:t> </a:t>
-                      </a:r>
-                      <a:r>
-                        <a:rPr lang="en-US" sz="1400" dirty="0" smtClean="0"/>
+                        <a:rPr lang="en-US" sz="1400" dirty="0" smtClean="0">
+                          <a:latin typeface="Calibri" panose="020F0502020204030204" pitchFamily="34" charset="0"/>
+                          <a:cs typeface="Calibri" panose="020F0502020204030204" pitchFamily="34" charset="0"/>
+                        </a:rPr>
                         <a:t>Quantitative</a:t>
                       </a:r>
                     </a:p>
                     <a:p>
-                      <a:pPr>
+                      <a:pPr algn="just">
                         <a:buNone/>
                       </a:pPr>
                       <a:r>
-                        <a:rPr lang="en-US" sz="1400" dirty="0" smtClean="0"/>
-                        <a:t> </a:t>
+                        <a:rPr lang="en-US" sz="1400" dirty="0" smtClean="0">
+                          <a:latin typeface="Calibri" panose="020F0502020204030204" pitchFamily="34" charset="0"/>
+                          <a:cs typeface="Calibri" panose="020F0502020204030204" pitchFamily="34" charset="0"/>
+                        </a:rPr>
+                        <a:t> and qualitative analysis</a:t>
                       </a:r>
-                      <a:r>
-                        <a:rPr lang="en-US" sz="1400" dirty="0"/>
-                        <a:t>and qualitative analysis</a:t>
-                      </a:r>
+                      <a:endParaRPr lang="en-US" sz="1400" dirty="0">
+                        <a:latin typeface="Calibri" panose="020F0502020204030204" pitchFamily="34" charset="0"/>
+                        <a:cs typeface="Calibri" panose="020F0502020204030204" pitchFamily="34" charset="0"/>
+                      </a:endParaRPr>
                     </a:p>
                   </a:txBody>
                   <a:tcPr/>
@@ -19040,30 +19193,45 @@
                     <a:bodyPr/>
                     <a:lstStyle/>
                     <a:p>
-                      <a:pPr fontAlgn="base"/>
+                      <a:pPr algn="just" fontAlgn="base"/>
                       <a:r>
-                        <a:rPr lang="en-US" sz="2000" dirty="0" smtClean="0">
+                        <a:rPr lang="en-US" sz="1400" dirty="0" smtClean="0">
                           <a:effectLst/>
+                          <a:latin typeface="Calibri" panose="020F0502020204030204" pitchFamily="34" charset="0"/>
+                          <a:cs typeface="Calibri" panose="020F0502020204030204" pitchFamily="34" charset="0"/>
                         </a:rPr>
-                        <a:t>playing dot-based puzzle games improved working memory performance compared to non-gaming controls.</a:t>
+                        <a:t>Playing </a:t>
                       </a:r>
-                      <a:endParaRPr lang="en-US" sz="2000" dirty="0">
+                      <a:r>
+                        <a:rPr lang="en-US" sz="1400" dirty="0" smtClean="0">
+                          <a:effectLst/>
+                          <a:latin typeface="Calibri" panose="020F0502020204030204" pitchFamily="34" charset="0"/>
+                          <a:cs typeface="Calibri" panose="020F0502020204030204" pitchFamily="34" charset="0"/>
+                        </a:rPr>
+                        <a:t>dot-based puzzle games improved working memory performance compared to non-gaming controls.</a:t>
+                      </a:r>
+                      <a:endParaRPr lang="en-US" sz="1400" dirty="0">
                         <a:effectLst/>
+                        <a:latin typeface="Calibri" panose="020F0502020204030204" pitchFamily="34" charset="0"/>
+                        <a:cs typeface="Calibri" panose="020F0502020204030204" pitchFamily="34" charset="0"/>
                       </a:endParaRPr>
                     </a:p>
                   </a:txBody>
-                  <a:tcPr anchor="ctr"/>
+                  <a:tcPr/>
                 </a:tc>
                 <a:tc>
                   <a:txBody>
                     <a:bodyPr/>
                     <a:lstStyle/>
                     <a:p>
-                      <a:pPr>
+                      <a:pPr algn="just">
                         <a:buNone/>
                       </a:pPr>
                       <a:r>
-                        <a:rPr lang="en-US" sz="1400"/>
+                        <a:rPr lang="en-US" sz="1400" dirty="0">
+                          <a:latin typeface="Calibri" panose="020F0502020204030204" pitchFamily="34" charset="0"/>
+                          <a:cs typeface="Calibri" panose="020F0502020204030204" pitchFamily="34" charset="0"/>
+                        </a:rPr>
                         <a:t>Efficient but still has some limitations to it.</a:t>
                       </a:r>
                     </a:p>
@@ -19075,36 +19243,51 @@
                     <a:bodyPr/>
                     <a:lstStyle/>
                     <a:p>
-                      <a:pPr>
+                      <a:pPr algn="just">
                         <a:buNone/>
                       </a:pPr>
                       <a:r>
-                        <a:rPr lang="en-US" sz="1600" dirty="0" smtClean="0"/>
+                        <a:rPr lang="en-US" sz="1400" dirty="0" smtClean="0">
+                          <a:latin typeface="Calibri" panose="020F0502020204030204" pitchFamily="34" charset="0"/>
+                          <a:cs typeface="Calibri" panose="020F0502020204030204" pitchFamily="34" charset="0"/>
+                        </a:rPr>
                         <a:t>Developing</a:t>
                       </a:r>
                       <a:r>
-                        <a:rPr lang="en-US" sz="1600" baseline="0" dirty="0" smtClean="0"/>
+                        <a:rPr lang="en-US" sz="1400" baseline="0" dirty="0" smtClean="0">
+                          <a:latin typeface="Calibri" panose="020F0502020204030204" pitchFamily="34" charset="0"/>
+                          <a:cs typeface="Calibri" panose="020F0502020204030204" pitchFamily="34" charset="0"/>
+                        </a:rPr>
                         <a:t> new skills ,</a:t>
                       </a:r>
                     </a:p>
                     <a:p>
-                      <a:pPr>
+                      <a:pPr algn="just">
                         <a:buNone/>
                       </a:pPr>
                       <a:r>
-                        <a:rPr lang="en-US" sz="1600" baseline="0" dirty="0" smtClean="0"/>
+                        <a:rPr lang="en-US" sz="1400" baseline="0" dirty="0" smtClean="0">
+                          <a:latin typeface="Calibri" panose="020F0502020204030204" pitchFamily="34" charset="0"/>
+                          <a:cs typeface="Calibri" panose="020F0502020204030204" pitchFamily="34" charset="0"/>
+                        </a:rPr>
                         <a:t>Building IQ level ,</a:t>
                       </a:r>
                     </a:p>
                     <a:p>
-                      <a:pPr>
+                      <a:pPr algn="just">
                         <a:buNone/>
                       </a:pPr>
                       <a:r>
-                        <a:rPr lang="en-US" sz="1600" baseline="0" dirty="0" smtClean="0"/>
+                        <a:rPr lang="en-US" sz="1400" baseline="0" dirty="0" smtClean="0">
+                          <a:latin typeface="Calibri" panose="020F0502020204030204" pitchFamily="34" charset="0"/>
+                          <a:cs typeface="Calibri" panose="020F0502020204030204" pitchFamily="34" charset="0"/>
+                        </a:rPr>
                         <a:t>enhancing cognitive ideas .</a:t>
                       </a:r>
-                      <a:endParaRPr lang="en-US" sz="1600" dirty="0"/>
+                      <a:endParaRPr lang="en-US" sz="1400" dirty="0">
+                        <a:latin typeface="Calibri" panose="020F0502020204030204" pitchFamily="34" charset="0"/>
+                        <a:cs typeface="Calibri" panose="020F0502020204030204" pitchFamily="34" charset="0"/>
+                      </a:endParaRPr>
                     </a:p>
                   </a:txBody>
                   <a:tcPr/>
@@ -19114,22 +19297,25 @@
                     <a:bodyPr/>
                     <a:lstStyle/>
                     <a:p>
-                      <a:pPr>
+                      <a:pPr algn="just">
                         <a:buNone/>
                       </a:pPr>
                       <a:r>
-                        <a:rPr lang="en-US" sz="1800" b="0" i="0" kern="1200" dirty="0" smtClean="0">
+                        <a:rPr lang="en-US" sz="1400" b="0" i="0" kern="1200" dirty="0" smtClean="0">
                           <a:solidFill>
                             <a:schemeClr val="dk1"/>
                           </a:solidFill>
                           <a:effectLst/>
-                          <a:latin typeface="+mn-lt"/>
+                          <a:latin typeface="Calibri" panose="020F0502020204030204" pitchFamily="34" charset="0"/>
                           <a:ea typeface="+mn-ea"/>
-                          <a:cs typeface="+mn-cs"/>
+                          <a:cs typeface="Calibri" panose="020F0502020204030204" pitchFamily="34" charset="0"/>
                         </a:rPr>
                         <a:t>Playing connect the color dots games too much can hurt your hands and stop you from doing other things. Remember to take breaks and do other stuff too.</a:t>
                       </a:r>
-                      <a:endParaRPr lang="en-US" sz="1400" dirty="0"/>
+                      <a:endParaRPr lang="en-US" sz="1400" dirty="0">
+                        <a:latin typeface="Calibri" panose="020F0502020204030204" pitchFamily="34" charset="0"/>
+                        <a:cs typeface="Calibri" panose="020F0502020204030204" pitchFamily="34" charset="0"/>
+                      </a:endParaRPr>
                     </a:p>
                   </a:txBody>
                   <a:tcPr/>
@@ -19341,11 +19527,11 @@
               <a:buSzPts val="3200"/>
             </a:pPr>
             <a:r>
-              <a:rPr lang="en-US" dirty="0"/>
+              <a:rPr lang="en-US" sz="2800" dirty="0"/>
               <a:t>Although many puzzle games claim to enhance cognitive abilities, most fail to directly link gameplay to IQ scores</a:t>
             </a:r>
             <a:r>
-              <a:rPr lang="en-US" dirty="0" smtClean="0"/>
+              <a:rPr lang="en-US" sz="2800" dirty="0" smtClean="0"/>
               <a:t>.</a:t>
             </a:r>
           </a:p>
@@ -19356,7 +19542,7 @@
               </a:spcBef>
               <a:buSzPts val="3200"/>
             </a:pPr>
-            <a:endParaRPr lang="en-US" dirty="0"/>
+            <a:endParaRPr lang="en-US" sz="2800" dirty="0"/>
           </a:p>
           <a:p>
             <a:pPr marL="660400" indent="-457200" algn="just">
@@ -19366,10 +19552,10 @@
               <a:buSzPts val="3200"/>
             </a:pPr>
             <a:r>
-              <a:rPr lang="en-US" dirty="0"/>
+              <a:rPr lang="en-US" sz="2800" dirty="0"/>
               <a:t>Most well-known puzzle games use the same ideas and designs, without introducing anything new or inventive.</a:t>
             </a:r>
-            <a:endParaRPr dirty="0"/>
+            <a:endParaRPr sz="2800" dirty="0"/>
           </a:p>
         </p:txBody>
       </p:sp>
